--- a/Time series -Final  Presentation.pptx
+++ b/Time series -Final  Presentation.pptx
@@ -5959,11 +5959,7 @@
           <a:p>
             <a:r>
               <a:rPr lang="en-US" b="1" u="sng" dirty="0" smtClean="0"/>
-              <a:t>A. Asymmetric </a:t>
-            </a:r>
-            <a:r>
-              <a:rPr lang="en-US" b="1" u="sng" dirty="0" smtClean="0"/>
-              <a:t>weights</a:t>
+              <a:t>A. Asymmetric weights</a:t>
             </a:r>
           </a:p>
           <a:p>
@@ -6502,7 +6498,6 @@
               <a:rPr lang="en-US" dirty="0"/>
               <a:t>Keogh</a:t>
             </a:r>
-            <a:endParaRPr lang="en-US" dirty="0"/>
           </a:p>
         </p:txBody>
       </p:sp>
@@ -8542,7 +8537,6 @@
               <a:rPr lang="en-US" dirty="0"/>
               <a:t>It depends.</a:t>
             </a:r>
-            <a:endParaRPr lang="en-US" dirty="0"/>
           </a:p>
         </p:txBody>
       </p:sp>
